--- a/Research/paper_mimura_summary.pptx
+++ b/Research/paper_mimura_summary.pptx
@@ -109,6 +109,11 @@
       </a:defRPr>
     </a:lvl9pPr>
   </p:defaultTextStyle>
+  <p:extLst>
+    <p:ext uri="{EFAFB233-063F-42B5-8137-9DF3F51BA10A}">
+      <p15:sldGuideLst xmlns:p15="http://schemas.microsoft.com/office/powerpoint/2012/main"/>
+    </p:ext>
+  </p:extLst>
 </p:presentation>
 </file>
 
@@ -243,7 +248,7 @@
           <a:p>
             <a:fld id="{4D1648F0-479B-9C4D-8F9C-BAE522118215}" type="datetimeFigureOut">
               <a:rPr kumimoji="1" lang="ja-JP" altLang="en-US" smtClean="0"/>
-              <a:t>2017/5/16</a:t>
+              <a:t>2017/5/18</a:t>
             </a:fld>
             <a:endParaRPr kumimoji="1" lang="ja-JP" altLang="en-US"/>
           </a:p>
@@ -445,7 +450,7 @@
           <a:p>
             <a:fld id="{4D1648F0-479B-9C4D-8F9C-BAE522118215}" type="datetimeFigureOut">
               <a:rPr kumimoji="1" lang="ja-JP" altLang="en-US" smtClean="0"/>
-              <a:t>2017/5/16</a:t>
+              <a:t>2017/5/18</a:t>
             </a:fld>
             <a:endParaRPr kumimoji="1" lang="ja-JP" altLang="en-US"/>
           </a:p>
@@ -657,7 +662,7 @@
           <a:p>
             <a:fld id="{4D1648F0-479B-9C4D-8F9C-BAE522118215}" type="datetimeFigureOut">
               <a:rPr kumimoji="1" lang="ja-JP" altLang="en-US" smtClean="0"/>
-              <a:t>2017/5/16</a:t>
+              <a:t>2017/5/18</a:t>
             </a:fld>
             <a:endParaRPr kumimoji="1" lang="ja-JP" altLang="en-US"/>
           </a:p>
@@ -859,7 +864,7 @@
           <a:p>
             <a:fld id="{4D1648F0-479B-9C4D-8F9C-BAE522118215}" type="datetimeFigureOut">
               <a:rPr kumimoji="1" lang="ja-JP" altLang="en-US" smtClean="0"/>
-              <a:t>2017/5/16</a:t>
+              <a:t>2017/5/18</a:t>
             </a:fld>
             <a:endParaRPr kumimoji="1" lang="ja-JP" altLang="en-US"/>
           </a:p>
@@ -1103,7 +1108,7 @@
           <a:p>
             <a:fld id="{4D1648F0-479B-9C4D-8F9C-BAE522118215}" type="datetimeFigureOut">
               <a:rPr kumimoji="1" lang="ja-JP" altLang="en-US" smtClean="0"/>
-              <a:t>2017/5/16</a:t>
+              <a:t>2017/5/18</a:t>
             </a:fld>
             <a:endParaRPr kumimoji="1" lang="ja-JP" altLang="en-US"/>
           </a:p>
@@ -1399,7 +1404,7 @@
           <a:p>
             <a:fld id="{4D1648F0-479B-9C4D-8F9C-BAE522118215}" type="datetimeFigureOut">
               <a:rPr kumimoji="1" lang="ja-JP" altLang="en-US" smtClean="0"/>
-              <a:t>2017/5/16</a:t>
+              <a:t>2017/5/18</a:t>
             </a:fld>
             <a:endParaRPr kumimoji="1" lang="ja-JP" altLang="en-US"/>
           </a:p>
@@ -1830,7 +1835,7 @@
           <a:p>
             <a:fld id="{4D1648F0-479B-9C4D-8F9C-BAE522118215}" type="datetimeFigureOut">
               <a:rPr kumimoji="1" lang="ja-JP" altLang="en-US" smtClean="0"/>
-              <a:t>2017/5/16</a:t>
+              <a:t>2017/5/18</a:t>
             </a:fld>
             <a:endParaRPr kumimoji="1" lang="ja-JP" altLang="en-US"/>
           </a:p>
@@ -1948,7 +1953,7 @@
           <a:p>
             <a:fld id="{4D1648F0-479B-9C4D-8F9C-BAE522118215}" type="datetimeFigureOut">
               <a:rPr kumimoji="1" lang="ja-JP" altLang="en-US" smtClean="0"/>
-              <a:t>2017/5/16</a:t>
+              <a:t>2017/5/18</a:t>
             </a:fld>
             <a:endParaRPr kumimoji="1" lang="ja-JP" altLang="en-US"/>
           </a:p>
@@ -2043,7 +2048,7 @@
           <a:p>
             <a:fld id="{4D1648F0-479B-9C4D-8F9C-BAE522118215}" type="datetimeFigureOut">
               <a:rPr kumimoji="1" lang="ja-JP" altLang="en-US" smtClean="0"/>
-              <a:t>2017/5/16</a:t>
+              <a:t>2017/5/18</a:t>
             </a:fld>
             <a:endParaRPr kumimoji="1" lang="ja-JP" altLang="en-US"/>
           </a:p>
@@ -2352,7 +2357,7 @@
           <a:p>
             <a:fld id="{4D1648F0-479B-9C4D-8F9C-BAE522118215}" type="datetimeFigureOut">
               <a:rPr kumimoji="1" lang="ja-JP" altLang="en-US" smtClean="0"/>
-              <a:t>2017/5/16</a:t>
+              <a:t>2017/5/18</a:t>
             </a:fld>
             <a:endParaRPr kumimoji="1" lang="ja-JP" altLang="en-US"/>
           </a:p>
@@ -2609,7 +2614,7 @@
           <a:p>
             <a:fld id="{4D1648F0-479B-9C4D-8F9C-BAE522118215}" type="datetimeFigureOut">
               <a:rPr kumimoji="1" lang="ja-JP" altLang="en-US" smtClean="0"/>
-              <a:t>2017/5/16</a:t>
+              <a:t>2017/5/18</a:t>
             </a:fld>
             <a:endParaRPr kumimoji="1" lang="ja-JP" altLang="en-US"/>
           </a:p>
@@ -2854,7 +2859,7 @@
           <a:p>
             <a:fld id="{4D1648F0-479B-9C4D-8F9C-BAE522118215}" type="datetimeFigureOut">
               <a:rPr kumimoji="1" lang="ja-JP" altLang="en-US" smtClean="0"/>
-              <a:t>2017/5/16</a:t>
+              <a:t>2017/5/18</a:t>
             </a:fld>
             <a:endParaRPr kumimoji="1" lang="ja-JP" altLang="en-US"/>
           </a:p>
